--- a/Простой SOAP-сервис.pptx
+++ b/Простой SOAP-сервис.pptx
@@ -6082,7 +6082,7 @@
         <p:spPr>
           <a:xfrm>
             <a:off x="685800" y="2833875"/>
-            <a:ext cx="10820400" cy="4024125"/>
+            <a:ext cx="10820400" cy="3122425"/>
           </a:xfrm>
         </p:spPr>
         <p:txBody>
